--- a/papers/野外三维重建分析1010.pptx
+++ b/papers/野外三维重建分析1010.pptx
@@ -4,6 +4,11 @@
   <p:sldMasterIdLst>
     <p:sldMasterId id="2147483648" r:id="rId1"/>
   </p:sldMasterIdLst>
+  <p:sldIdLst>
+    <p:sldId id="256" r:id="rId3"/>
+    <p:sldId id="257" r:id="rId4"/>
+    <p:sldId id="258" r:id="rId5"/>
+  </p:sldIdLst>
   <p:sldSz cx="12192000" cy="6858000"/>
   <p:notesSz cx="6858000" cy="9144000"/>
   <p:defaultTextStyle>
@@ -2917,6 +2922,60 @@
 </p:sldMaster>
 </file>
 
+<file path=ppt/slides/slide1.xml><?xml version="1.0" encoding="utf-8"?>
+<p:sld xmlns:a="http://schemas.openxmlformats.org/drawingml/2006/main" xmlns:r="http://schemas.openxmlformats.org/officeDocument/2006/relationships" xmlns:p="http://schemas.openxmlformats.org/presentationml/2006/main">
+  <p:cSld>
+    <p:spTree>
+      <p:nvGrpSpPr>
+        <p:cNvPr id="1" name=""/>
+        <p:cNvGrpSpPr/>
+        <p:nvPr/>
+      </p:nvGrpSpPr>
+      <p:grpSpPr/>
+    </p:spTree>
+  </p:cSld>
+  <p:clrMapOvr>
+    <a:masterClrMapping/>
+  </p:clrMapOvr>
+</p:sld>
+</file>
+
+<file path=ppt/slides/slide2.xml><?xml version="1.0" encoding="utf-8"?>
+<p:sld xmlns:a="http://schemas.openxmlformats.org/drawingml/2006/main" xmlns:r="http://schemas.openxmlformats.org/officeDocument/2006/relationships" xmlns:p="http://schemas.openxmlformats.org/presentationml/2006/main">
+  <p:cSld>
+    <p:spTree>
+      <p:nvGrpSpPr>
+        <p:cNvPr id="1" name=""/>
+        <p:cNvGrpSpPr/>
+        <p:nvPr/>
+      </p:nvGrpSpPr>
+      <p:grpSpPr/>
+    </p:spTree>
+  </p:cSld>
+  <p:clrMapOvr>
+    <a:masterClrMapping/>
+  </p:clrMapOvr>
+</p:sld>
+</file>
+
+<file path=ppt/slides/slide3.xml><?xml version="1.0" encoding="utf-8"?>
+<p:sld xmlns:a="http://schemas.openxmlformats.org/drawingml/2006/main" xmlns:r="http://schemas.openxmlformats.org/officeDocument/2006/relationships" xmlns:p="http://schemas.openxmlformats.org/presentationml/2006/main">
+  <p:cSld>
+    <p:spTree>
+      <p:nvGrpSpPr>
+        <p:cNvPr id="1" name=""/>
+        <p:cNvGrpSpPr/>
+        <p:nvPr/>
+      </p:nvGrpSpPr>
+      <p:grpSpPr/>
+    </p:spTree>
+  </p:cSld>
+  <p:clrMapOvr>
+    <a:masterClrMapping/>
+  </p:clrMapOvr>
+</p:sld>
+</file>
+
 <file path=ppt/theme/theme1.xml><?xml version="1.0" encoding="utf-8"?>
 <a:theme xmlns:a="http://schemas.openxmlformats.org/drawingml/2006/main" name="WPS">
   <a:themeElements>
